--- a/Inżyniera-Oprogramowania-kopia 2.pptx
+++ b/Inżyniera-Oprogramowania-kopia 2.pptx
@@ -5,22 +5,23 @@
     <p:sldMasterId id="2147483648" r:id="rId1"/>
   </p:sldMasterIdLst>
   <p:notesMasterIdLst>
-    <p:notesMasterId r:id="rId15"/>
+    <p:notesMasterId r:id="rId16"/>
   </p:notesMasterIdLst>
   <p:sldIdLst>
     <p:sldId id="256" r:id="rId2"/>
     <p:sldId id="259" r:id="rId3"/>
     <p:sldId id="260" r:id="rId4"/>
     <p:sldId id="261" r:id="rId5"/>
-    <p:sldId id="258" r:id="rId6"/>
-    <p:sldId id="262" r:id="rId7"/>
-    <p:sldId id="263" r:id="rId8"/>
-    <p:sldId id="264" r:id="rId9"/>
-    <p:sldId id="265" r:id="rId10"/>
-    <p:sldId id="269" r:id="rId11"/>
-    <p:sldId id="266" r:id="rId12"/>
-    <p:sldId id="267" r:id="rId13"/>
-    <p:sldId id="268" r:id="rId14"/>
+    <p:sldId id="270" r:id="rId6"/>
+    <p:sldId id="258" r:id="rId7"/>
+    <p:sldId id="262" r:id="rId8"/>
+    <p:sldId id="263" r:id="rId9"/>
+    <p:sldId id="264" r:id="rId10"/>
+    <p:sldId id="265" r:id="rId11"/>
+    <p:sldId id="269" r:id="rId12"/>
+    <p:sldId id="266" r:id="rId13"/>
+    <p:sldId id="267" r:id="rId14"/>
+    <p:sldId id="268" r:id="rId15"/>
   </p:sldIdLst>
   <p:sldSz cx="9144000" cy="6858000" type="screen4x3"/>
   <p:notesSz cx="6858000" cy="9144000"/>
@@ -204,7 +205,7 @@
           <a:p>
             <a:fld id="{9718BD1A-64F3-4995-A386-E55E6C1985F7}" type="datetimeFigureOut">
               <a:rPr lang="pl-PL" smtClean="0"/>
-              <a:t>2016-01-22</a:t>
+              <a:t>23.01.2016</a:t>
             </a:fld>
             <a:endParaRPr lang="pl-PL"/>
           </a:p>
@@ -372,6 +373,11 @@
         </p:txBody>
       </p:sp>
     </p:spTree>
+    <p:extLst>
+      <p:ext uri="{BB962C8B-B14F-4D97-AF65-F5344CB8AC3E}">
+        <p14:creationId xmlns:p14="http://schemas.microsoft.com/office/powerpoint/2010/main" val="1324738104"/>
+      </p:ext>
+    </p:extLst>
   </p:cSld>
   <p:clrMap bg1="lt1" tx1="dk1" bg2="lt2" tx2="dk2" accent1="accent1" accent2="accent2" accent3="accent3" accent4="accent4" accent5="accent5" accent6="accent6" hlink="hlink" folHlink="folHlink"/>
   <p:notesStyle>
@@ -650,7 +656,7 @@
           <a:p>
             <a:fld id="{9CBF2622-EF9A-4537-B250-9B48E8C0CED6}" type="datetimeFigureOut">
               <a:rPr lang="pl-PL" smtClean="0"/>
-              <a:t>2016-01-22</a:t>
+              <a:t>23.01.2016</a:t>
             </a:fld>
             <a:endParaRPr lang="pl-PL"/>
           </a:p>
@@ -815,7 +821,7 @@
           <a:p>
             <a:fld id="{9CBF2622-EF9A-4537-B250-9B48E8C0CED6}" type="datetimeFigureOut">
               <a:rPr lang="pl-PL" smtClean="0"/>
-              <a:t>2016-01-22</a:t>
+              <a:t>23.01.2016</a:t>
             </a:fld>
             <a:endParaRPr lang="pl-PL"/>
           </a:p>
@@ -990,7 +996,7 @@
           <a:p>
             <a:fld id="{9CBF2622-EF9A-4537-B250-9B48E8C0CED6}" type="datetimeFigureOut">
               <a:rPr lang="pl-PL" smtClean="0"/>
-              <a:t>2016-01-22</a:t>
+              <a:t>23.01.2016</a:t>
             </a:fld>
             <a:endParaRPr lang="pl-PL"/>
           </a:p>
@@ -1155,7 +1161,7 @@
           <a:p>
             <a:fld id="{9CBF2622-EF9A-4537-B250-9B48E8C0CED6}" type="datetimeFigureOut">
               <a:rPr lang="pl-PL" smtClean="0"/>
-              <a:t>2016-01-22</a:t>
+              <a:t>23.01.2016</a:t>
             </a:fld>
             <a:endParaRPr lang="pl-PL"/>
           </a:p>
@@ -1396,7 +1402,7 @@
           <a:p>
             <a:fld id="{9CBF2622-EF9A-4537-B250-9B48E8C0CED6}" type="datetimeFigureOut">
               <a:rPr lang="pl-PL" smtClean="0"/>
-              <a:t>2016-01-22</a:t>
+              <a:t>23.01.2016</a:t>
             </a:fld>
             <a:endParaRPr lang="pl-PL"/>
           </a:p>
@@ -1679,7 +1685,7 @@
           <a:p>
             <a:fld id="{9CBF2622-EF9A-4537-B250-9B48E8C0CED6}" type="datetimeFigureOut">
               <a:rPr lang="pl-PL" smtClean="0"/>
-              <a:t>2016-01-22</a:t>
+              <a:t>23.01.2016</a:t>
             </a:fld>
             <a:endParaRPr lang="pl-PL"/>
           </a:p>
@@ -2096,7 +2102,7 @@
           <a:p>
             <a:fld id="{9CBF2622-EF9A-4537-B250-9B48E8C0CED6}" type="datetimeFigureOut">
               <a:rPr lang="pl-PL" smtClean="0"/>
-              <a:t>2016-01-22</a:t>
+              <a:t>23.01.2016</a:t>
             </a:fld>
             <a:endParaRPr lang="pl-PL"/>
           </a:p>
@@ -2209,7 +2215,7 @@
           <a:p>
             <a:fld id="{9CBF2622-EF9A-4537-B250-9B48E8C0CED6}" type="datetimeFigureOut">
               <a:rPr lang="pl-PL" smtClean="0"/>
-              <a:t>2016-01-22</a:t>
+              <a:t>23.01.2016</a:t>
             </a:fld>
             <a:endParaRPr lang="pl-PL"/>
           </a:p>
@@ -2299,7 +2305,7 @@
           <a:p>
             <a:fld id="{9CBF2622-EF9A-4537-B250-9B48E8C0CED6}" type="datetimeFigureOut">
               <a:rPr lang="pl-PL" smtClean="0"/>
-              <a:t>2016-01-22</a:t>
+              <a:t>23.01.2016</a:t>
             </a:fld>
             <a:endParaRPr lang="pl-PL"/>
           </a:p>
@@ -2571,7 +2577,7 @@
           <a:p>
             <a:fld id="{9CBF2622-EF9A-4537-B250-9B48E8C0CED6}" type="datetimeFigureOut">
               <a:rPr lang="pl-PL" smtClean="0"/>
-              <a:t>2016-01-22</a:t>
+              <a:t>23.01.2016</a:t>
             </a:fld>
             <a:endParaRPr lang="pl-PL"/>
           </a:p>
@@ -2819,7 +2825,7 @@
           <a:p>
             <a:fld id="{9CBF2622-EF9A-4537-B250-9B48E8C0CED6}" type="datetimeFigureOut">
               <a:rPr lang="pl-PL" smtClean="0"/>
-              <a:t>2016-01-22</a:t>
+              <a:t>23.01.2016</a:t>
             </a:fld>
             <a:endParaRPr lang="pl-PL"/>
           </a:p>
@@ -3045,7 +3051,7 @@
           <a:p>
             <a:fld id="{9CBF2622-EF9A-4537-B250-9B48E8C0CED6}" type="datetimeFigureOut">
               <a:rPr lang="pl-PL" smtClean="0"/>
-              <a:t>2016-01-22</a:t>
+              <a:t>23.01.2016</a:t>
             </a:fld>
             <a:endParaRPr lang="pl-PL"/>
           </a:p>
@@ -3530,14 +3536,6 @@
               </a:rPr>
               <a:t> </a:t>
             </a:r>
-            <a:r>
-              <a:rPr lang="pl-PL" sz="2400" dirty="0" smtClean="0">
-                <a:solidFill>
-                  <a:schemeClr val="bg1"/>
-                </a:solidFill>
-              </a:rPr>
-              <a:t/>
-            </a:r>
             <a:br>
               <a:rPr lang="pl-PL" sz="2400" dirty="0" smtClean="0">
                 <a:solidFill>
@@ -3658,10 +3656,133 @@
   <p:clrMapOvr>
     <a:masterClrMapping/>
   </p:clrMapOvr>
+  <p:timing>
+    <p:tnLst>
+      <p:par>
+        <p:cTn id="1" dur="indefinite" restart="never" nodeType="tmRoot"/>
+      </p:par>
+    </p:tnLst>
+  </p:timing>
 </p:sld>
 </file>
 
 <file path=ppt/slides/slide10.xml><?xml version="1.0" encoding="utf-8"?>
+<p:sld xmlns:a="http://schemas.openxmlformats.org/drawingml/2006/main" xmlns:r="http://schemas.openxmlformats.org/officeDocument/2006/relationships" xmlns:p="http://schemas.openxmlformats.org/presentationml/2006/main">
+  <p:cSld>
+    <p:spTree>
+      <p:nvGrpSpPr>
+        <p:cNvPr id="1" name=""/>
+        <p:cNvGrpSpPr/>
+        <p:nvPr/>
+      </p:nvGrpSpPr>
+      <p:grpSpPr>
+        <a:xfrm>
+          <a:off x="0" y="0"/>
+          <a:ext cx="0" cy="0"/>
+          <a:chOff x="0" y="0"/>
+          <a:chExt cx="0" cy="0"/>
+        </a:xfrm>
+      </p:grpSpPr>
+      <p:sp>
+        <p:nvSpPr>
+          <p:cNvPr id="2" name="Tytuł 1"/>
+          <p:cNvSpPr>
+            <a:spLocks noGrp="1"/>
+          </p:cNvSpPr>
+          <p:nvPr>
+            <p:ph type="title"/>
+          </p:nvPr>
+        </p:nvSpPr>
+        <p:spPr/>
+        <p:txBody>
+          <a:bodyPr/>
+          <a:lstStyle/>
+          <a:p>
+            <a:r>
+              <a:rPr lang="pl-PL" dirty="0" err="1" smtClean="0">
+                <a:solidFill>
+                  <a:schemeClr val="bg1"/>
+                </a:solidFill>
+              </a:rPr>
+              <a:t>Activity</a:t>
+            </a:r>
+            <a:r>
+              <a:rPr lang="pl-PL" dirty="0" smtClean="0">
+                <a:solidFill>
+                  <a:schemeClr val="bg1"/>
+                </a:solidFill>
+              </a:rPr>
+              <a:t> – nadanie uprawnień</a:t>
+            </a:r>
+            <a:endParaRPr lang="pl-PL" dirty="0">
+              <a:solidFill>
+                <a:schemeClr val="bg1"/>
+              </a:solidFill>
+            </a:endParaRPr>
+          </a:p>
+        </p:txBody>
+      </p:sp>
+      <p:sp>
+        <p:nvSpPr>
+          <p:cNvPr id="3" name="Symbol zastępczy zawartości 2"/>
+          <p:cNvSpPr>
+            <a:spLocks noGrp="1"/>
+          </p:cNvSpPr>
+          <p:nvPr>
+            <p:ph idx="1"/>
+          </p:nvPr>
+        </p:nvSpPr>
+        <p:spPr/>
+        <p:txBody>
+          <a:bodyPr/>
+          <a:lstStyle/>
+          <a:p>
+            <a:endParaRPr lang="pl-PL"/>
+          </a:p>
+        </p:txBody>
+      </p:sp>
+      <p:pic>
+        <p:nvPicPr>
+          <p:cNvPr id="5122" name="Picture 2" descr="C:\Users\sc\Desktop\12562729_1131285423548148_1779117713_o.jpg"/>
+          <p:cNvPicPr>
+            <a:picLocks noChangeAspect="1" noChangeArrowheads="1"/>
+          </p:cNvPicPr>
+          <p:nvPr/>
+        </p:nvPicPr>
+        <p:blipFill>
+          <a:blip r:embed="rId2" cstate="print"/>
+          <a:srcRect/>
+          <a:stretch>
+            <a:fillRect/>
+          </a:stretch>
+        </p:blipFill>
+        <p:spPr bwMode="auto">
+          <a:xfrm>
+            <a:off x="0" y="1484784"/>
+            <a:ext cx="9144000" cy="5373216"/>
+          </a:xfrm>
+          <a:prstGeom prst="rect">
+            <a:avLst/>
+          </a:prstGeom>
+          <a:noFill/>
+        </p:spPr>
+      </p:pic>
+    </p:spTree>
+  </p:cSld>
+  <p:clrMapOvr>
+    <a:masterClrMapping/>
+  </p:clrMapOvr>
+  <p:timing>
+    <p:tnLst>
+      <p:par>
+        <p:cTn id="1" dur="indefinite" restart="never" nodeType="tmRoot"/>
+      </p:par>
+    </p:tnLst>
+  </p:timing>
+</p:sld>
+</file>
+
+<file path=ppt/slides/slide11.xml><?xml version="1.0" encoding="utf-8"?>
 <p:sld xmlns:a="http://schemas.openxmlformats.org/drawingml/2006/main" xmlns:r="http://schemas.openxmlformats.org/officeDocument/2006/relationships" xmlns:p="http://schemas.openxmlformats.org/presentationml/2006/main">
   <p:cSld>
     <p:spTree>
@@ -3752,10 +3873,17 @@
   <p:clrMapOvr>
     <a:masterClrMapping/>
   </p:clrMapOvr>
+  <p:timing>
+    <p:tnLst>
+      <p:par>
+        <p:cTn id="1" dur="indefinite" restart="never" nodeType="tmRoot"/>
+      </p:par>
+    </p:tnLst>
+  </p:timing>
 </p:sld>
 </file>
 
-<file path=ppt/slides/slide11.xml><?xml version="1.0" encoding="utf-8"?>
+<file path=ppt/slides/slide12.xml><?xml version="1.0" encoding="utf-8"?>
 <p:sld xmlns:a="http://schemas.openxmlformats.org/drawingml/2006/main" xmlns:r="http://schemas.openxmlformats.org/officeDocument/2006/relationships" xmlns:p="http://schemas.openxmlformats.org/presentationml/2006/main">
   <p:cSld>
     <p:spTree>
@@ -3853,10 +3981,17 @@
   <p:clrMapOvr>
     <a:masterClrMapping/>
   </p:clrMapOvr>
+  <p:timing>
+    <p:tnLst>
+      <p:par>
+        <p:cTn id="1" dur="indefinite" restart="never" nodeType="tmRoot"/>
+      </p:par>
+    </p:tnLst>
+  </p:timing>
 </p:sld>
 </file>
 
-<file path=ppt/slides/slide12.xml><?xml version="1.0" encoding="utf-8"?>
+<file path=ppt/slides/slide13.xml><?xml version="1.0" encoding="utf-8"?>
 <p:sld xmlns:a="http://schemas.openxmlformats.org/drawingml/2006/main" xmlns:r="http://schemas.openxmlformats.org/officeDocument/2006/relationships" xmlns:p="http://schemas.openxmlformats.org/presentationml/2006/main">
   <p:cSld>
     <p:spTree>
@@ -3970,10 +4105,17 @@
   <p:clrMapOvr>
     <a:masterClrMapping/>
   </p:clrMapOvr>
+  <p:timing>
+    <p:tnLst>
+      <p:par>
+        <p:cTn id="1" dur="indefinite" restart="never" nodeType="tmRoot"/>
+      </p:par>
+    </p:tnLst>
+  </p:timing>
 </p:sld>
 </file>
 
-<file path=ppt/slides/slide13.xml><?xml version="1.0" encoding="utf-8"?>
+<file path=ppt/slides/slide14.xml><?xml version="1.0" encoding="utf-8"?>
 <p:sld xmlns:a="http://schemas.openxmlformats.org/drawingml/2006/main" xmlns:r="http://schemas.openxmlformats.org/officeDocument/2006/relationships" xmlns:p="http://schemas.openxmlformats.org/presentationml/2006/main">
   <p:cSld>
     <p:spTree>
@@ -4033,6 +4175,13 @@
   <p:clrMapOvr>
     <a:masterClrMapping/>
   </p:clrMapOvr>
+  <p:timing>
+    <p:tnLst>
+      <p:par>
+        <p:cTn id="1" dur="indefinite" restart="never" nodeType="tmRoot"/>
+      </p:par>
+    </p:tnLst>
+  </p:timing>
 </p:sld>
 </file>
 
@@ -4164,6 +4313,13 @@
   <p:clrMapOvr>
     <a:masterClrMapping/>
   </p:clrMapOvr>
+  <p:timing>
+    <p:tnLst>
+      <p:par>
+        <p:cTn id="1" dur="indefinite" restart="never" nodeType="tmRoot"/>
+      </p:par>
+    </p:tnLst>
+  </p:timing>
 </p:sld>
 </file>
 
@@ -4465,6 +4621,13 @@
   <p:clrMapOvr>
     <a:masterClrMapping/>
   </p:clrMapOvr>
+  <p:timing>
+    <p:tnLst>
+      <p:par>
+        <p:cTn id="1" dur="indefinite" restart="never" nodeType="tmRoot"/>
+      </p:par>
+    </p:tnLst>
+  </p:timing>
 </p:sld>
 </file>
 
@@ -4812,10 +4975,110 @@
   <p:clrMapOvr>
     <a:masterClrMapping/>
   </p:clrMapOvr>
+  <p:timing>
+    <p:tnLst>
+      <p:par>
+        <p:cTn id="1" dur="indefinite" restart="never" nodeType="tmRoot"/>
+      </p:par>
+    </p:tnLst>
+  </p:timing>
 </p:sld>
 </file>
 
 <file path=ppt/slides/slide5.xml><?xml version="1.0" encoding="utf-8"?>
+<p:sld xmlns:a="http://schemas.openxmlformats.org/drawingml/2006/main" xmlns:r="http://schemas.openxmlformats.org/officeDocument/2006/relationships" xmlns:p="http://schemas.openxmlformats.org/presentationml/2006/main">
+  <p:cSld>
+    <p:spTree>
+      <p:nvGrpSpPr>
+        <p:cNvPr id="1" name=""/>
+        <p:cNvGrpSpPr/>
+        <p:nvPr/>
+      </p:nvGrpSpPr>
+      <p:grpSpPr>
+        <a:xfrm>
+          <a:off x="0" y="0"/>
+          <a:ext cx="0" cy="0"/>
+          <a:chOff x="0" y="0"/>
+          <a:chExt cx="0" cy="0"/>
+        </a:xfrm>
+      </p:grpSpPr>
+      <p:sp>
+        <p:nvSpPr>
+          <p:cNvPr id="2" name="Tytuł 1"/>
+          <p:cNvSpPr>
+            <a:spLocks noGrp="1"/>
+          </p:cNvSpPr>
+          <p:nvPr>
+            <p:ph type="title"/>
+          </p:nvPr>
+        </p:nvSpPr>
+        <p:spPr/>
+        <p:txBody>
+          <a:bodyPr/>
+          <a:lstStyle/>
+          <a:p>
+            <a:r>
+              <a:rPr lang="pl-PL" dirty="0" smtClean="0">
+                <a:solidFill>
+                  <a:schemeClr val="bg1"/>
+                </a:solidFill>
+              </a:rPr>
+              <a:t>Przykład naszej strony</a:t>
+            </a:r>
+            <a:endParaRPr lang="pl-PL" dirty="0">
+              <a:solidFill>
+                <a:schemeClr val="bg1"/>
+              </a:solidFill>
+            </a:endParaRPr>
+          </a:p>
+        </p:txBody>
+      </p:sp>
+      <p:sp>
+        <p:nvSpPr>
+          <p:cNvPr id="3" name="Symbol zastępczy zawartości 2"/>
+          <p:cNvSpPr>
+            <a:spLocks noGrp="1"/>
+          </p:cNvSpPr>
+          <p:nvPr>
+            <p:ph idx="1"/>
+          </p:nvPr>
+        </p:nvSpPr>
+        <p:spPr/>
+        <p:txBody>
+          <a:bodyPr/>
+          <a:lstStyle/>
+          <a:p>
+            <a:r>
+              <a:rPr lang="pl-PL" dirty="0" smtClean="0">
+                <a:hlinkClick r:id="rId2" action="ppaction://hlinkfile"/>
+              </a:rPr>
+              <a:t>Link do naszej strony</a:t>
+            </a:r>
+            <a:endParaRPr lang="pl-PL" dirty="0"/>
+          </a:p>
+        </p:txBody>
+      </p:sp>
+    </p:spTree>
+    <p:extLst>
+      <p:ext uri="{BB962C8B-B14F-4D97-AF65-F5344CB8AC3E}">
+        <p14:creationId xmlns:p14="http://schemas.microsoft.com/office/powerpoint/2010/main" val="1676902203"/>
+      </p:ext>
+    </p:extLst>
+  </p:cSld>
+  <p:clrMapOvr>
+    <a:masterClrMapping/>
+  </p:clrMapOvr>
+  <p:timing>
+    <p:tnLst>
+      <p:par>
+        <p:cTn id="1" dur="indefinite" restart="never" nodeType="tmRoot"/>
+      </p:par>
+    </p:tnLst>
+  </p:timing>
+</p:sld>
+</file>
+
+<file path=ppt/slides/slide6.xml><?xml version="1.0" encoding="utf-8"?>
 <p:sld xmlns:a="http://schemas.openxmlformats.org/drawingml/2006/main" xmlns:r="http://schemas.openxmlformats.org/officeDocument/2006/relationships" xmlns:p="http://schemas.openxmlformats.org/presentationml/2006/main">
   <p:cSld>
     <p:spTree>
@@ -4896,10 +5159,17 @@
   <p:clrMapOvr>
     <a:masterClrMapping/>
   </p:clrMapOvr>
+  <p:timing>
+    <p:tnLst>
+      <p:par>
+        <p:cTn id="1" dur="indefinite" restart="never" nodeType="tmRoot"/>
+      </p:par>
+    </p:tnLst>
+  </p:timing>
 </p:sld>
 </file>
 
-<file path=ppt/slides/slide6.xml><?xml version="1.0" encoding="utf-8"?>
+<file path=ppt/slides/slide7.xml><?xml version="1.0" encoding="utf-8"?>
 <p:sld xmlns:a="http://schemas.openxmlformats.org/drawingml/2006/main" xmlns:r="http://schemas.openxmlformats.org/officeDocument/2006/relationships" xmlns:p="http://schemas.openxmlformats.org/presentationml/2006/main">
   <p:cSld>
     <p:spTree>
@@ -5021,10 +5291,17 @@
   <p:clrMapOvr>
     <a:masterClrMapping/>
   </p:clrMapOvr>
+  <p:timing>
+    <p:tnLst>
+      <p:par>
+        <p:cTn id="1" dur="indefinite" restart="never" nodeType="tmRoot"/>
+      </p:par>
+    </p:tnLst>
+  </p:timing>
 </p:sld>
 </file>
 
-<file path=ppt/slides/slide7.xml><?xml version="1.0" encoding="utf-8"?>
+<file path=ppt/slides/slide8.xml><?xml version="1.0" encoding="utf-8"?>
 <p:sld xmlns:a="http://schemas.openxmlformats.org/drawingml/2006/main" xmlns:r="http://schemas.openxmlformats.org/officeDocument/2006/relationships" xmlns:p="http://schemas.openxmlformats.org/presentationml/2006/main">
   <p:cSld>
     <p:spTree>
@@ -5146,10 +5423,17 @@
   <p:clrMapOvr>
     <a:masterClrMapping/>
   </p:clrMapOvr>
+  <p:timing>
+    <p:tnLst>
+      <p:par>
+        <p:cTn id="1" dur="indefinite" restart="never" nodeType="tmRoot"/>
+      </p:par>
+    </p:tnLst>
+  </p:timing>
 </p:sld>
 </file>
 
-<file path=ppt/slides/slide8.xml><?xml version="1.0" encoding="utf-8"?>
+<file path=ppt/slides/slide9.xml><?xml version="1.0" encoding="utf-8"?>
 <p:sld xmlns:a="http://schemas.openxmlformats.org/drawingml/2006/main" xmlns:r="http://schemas.openxmlformats.org/officeDocument/2006/relationships" xmlns:p="http://schemas.openxmlformats.org/presentationml/2006/main">
   <p:cSld>
     <p:spTree>
@@ -5271,115 +5555,13 @@
   <p:clrMapOvr>
     <a:masterClrMapping/>
   </p:clrMapOvr>
-</p:sld>
-</file>
-
-<file path=ppt/slides/slide9.xml><?xml version="1.0" encoding="utf-8"?>
-<p:sld xmlns:a="http://schemas.openxmlformats.org/drawingml/2006/main" xmlns:r="http://schemas.openxmlformats.org/officeDocument/2006/relationships" xmlns:p="http://schemas.openxmlformats.org/presentationml/2006/main">
-  <p:cSld>
-    <p:spTree>
-      <p:nvGrpSpPr>
-        <p:cNvPr id="1" name=""/>
-        <p:cNvGrpSpPr/>
-        <p:nvPr/>
-      </p:nvGrpSpPr>
-      <p:grpSpPr>
-        <a:xfrm>
-          <a:off x="0" y="0"/>
-          <a:ext cx="0" cy="0"/>
-          <a:chOff x="0" y="0"/>
-          <a:chExt cx="0" cy="0"/>
-        </a:xfrm>
-      </p:grpSpPr>
-      <p:sp>
-        <p:nvSpPr>
-          <p:cNvPr id="2" name="Tytuł 1"/>
-          <p:cNvSpPr>
-            <a:spLocks noGrp="1"/>
-          </p:cNvSpPr>
-          <p:nvPr>
-            <p:ph type="title"/>
-          </p:nvPr>
-        </p:nvSpPr>
-        <p:spPr/>
-        <p:txBody>
-          <a:bodyPr/>
-          <a:lstStyle/>
-          <a:p>
-            <a:r>
-              <a:rPr lang="pl-PL" dirty="0" err="1" smtClean="0">
-                <a:solidFill>
-                  <a:schemeClr val="bg1"/>
-                </a:solidFill>
-              </a:rPr>
-              <a:t>Activity</a:t>
-            </a:r>
-            <a:r>
-              <a:rPr lang="pl-PL" dirty="0" smtClean="0">
-                <a:solidFill>
-                  <a:schemeClr val="bg1"/>
-                </a:solidFill>
-              </a:rPr>
-              <a:t> – nadanie uprawnień</a:t>
-            </a:r>
-            <a:endParaRPr lang="pl-PL" dirty="0">
-              <a:solidFill>
-                <a:schemeClr val="bg1"/>
-              </a:solidFill>
-            </a:endParaRPr>
-          </a:p>
-        </p:txBody>
-      </p:sp>
-      <p:sp>
-        <p:nvSpPr>
-          <p:cNvPr id="3" name="Symbol zastępczy zawartości 2"/>
-          <p:cNvSpPr>
-            <a:spLocks noGrp="1"/>
-          </p:cNvSpPr>
-          <p:nvPr>
-            <p:ph idx="1"/>
-          </p:nvPr>
-        </p:nvSpPr>
-        <p:spPr/>
-        <p:txBody>
-          <a:bodyPr/>
-          <a:lstStyle/>
-          <a:p>
-            <a:endParaRPr lang="pl-PL"/>
-          </a:p>
-        </p:txBody>
-      </p:sp>
-      <p:pic>
-        <p:nvPicPr>
-          <p:cNvPr id="5122" name="Picture 2" descr="C:\Users\sc\Desktop\12562729_1131285423548148_1779117713_o.jpg"/>
-          <p:cNvPicPr>
-            <a:picLocks noChangeAspect="1" noChangeArrowheads="1"/>
-          </p:cNvPicPr>
-          <p:nvPr/>
-        </p:nvPicPr>
-        <p:blipFill>
-          <a:blip r:embed="rId2" cstate="print"/>
-          <a:srcRect/>
-          <a:stretch>
-            <a:fillRect/>
-          </a:stretch>
-        </p:blipFill>
-        <p:spPr bwMode="auto">
-          <a:xfrm>
-            <a:off x="0" y="1484784"/>
-            <a:ext cx="9144000" cy="5373216"/>
-          </a:xfrm>
-          <a:prstGeom prst="rect">
-            <a:avLst/>
-          </a:prstGeom>
-          <a:noFill/>
-        </p:spPr>
-      </p:pic>
-    </p:spTree>
-  </p:cSld>
-  <p:clrMapOvr>
-    <a:masterClrMapping/>
-  </p:clrMapOvr>
+  <p:timing>
+    <p:tnLst>
+      <p:par>
+        <p:cTn id="1" dur="indefinite" restart="never" nodeType="tmRoot"/>
+      </p:par>
+    </p:tnLst>
+  </p:timing>
 </p:sld>
 </file>
 
